--- a/Диплом.pptx
+++ b/Диплом.pptx
@@ -4680,15 +4680,7 @@
                 <a:ea typeface="Calibri" pitchFamily="34" charset="0"/>
                 <a:cs typeface="Arial" pitchFamily="34" charset="0"/>
               </a:rPr>
-              <a:t>Результатом </a:t>
-            </a:r>
-            <a:r>
-              <a:rPr lang="ru-RU" sz="2200" b="0" dirty="0" smtClean="0">
-                <a:latin typeface="Times New Roman" pitchFamily="18" charset="0"/>
-                <a:ea typeface="Calibri" pitchFamily="34" charset="0"/>
-                <a:cs typeface="Arial" pitchFamily="34" charset="0"/>
-              </a:rPr>
-              <a:t>воспитания и образования дошкольника должны стать своевременное формирование возрастных новообразований детства, развитие компетентности, самостоятельности, творческой активности, гуманного отношения к окружающим, становление личностной позиции.</a:t>
+              <a:t>Результатом воспитания и образования дошкольника должны стать своевременное формирование возрастных новообразований детства, развитие компетентности, самостоятельности, творческой активности, гуманного отношения к окружающим, становление личностной позиции.</a:t>
             </a:r>
             <a:endParaRPr lang="ru-RU" altLang="ru-RU" sz="2200" b="0" dirty="0" smtClean="0">
               <a:latin typeface="Times New Roman" pitchFamily="18" charset="0"/>
@@ -5061,14 +5053,7 @@
                 <a:latin typeface="Times New Roman" pitchFamily="18" charset="0"/>
                 <a:cs typeface="Times New Roman" pitchFamily="18" charset="0"/>
               </a:rPr>
-              <a:t>Организационная </a:t>
-            </a:r>
-            <a:r>
-              <a:rPr lang="ru-RU" altLang="ru-RU" dirty="0" smtClean="0">
-                <a:latin typeface="Times New Roman" pitchFamily="18" charset="0"/>
-                <a:cs typeface="Times New Roman" pitchFamily="18" charset="0"/>
-              </a:rPr>
-              <a:t>структура объекта автоматизации</a:t>
+              <a:t>Организационная структура объекта автоматизации</a:t>
             </a:r>
           </a:p>
         </p:txBody>
@@ -5192,14 +5177,7 @@
                 <a:latin typeface="Times New Roman" pitchFamily="18" charset="0"/>
                 <a:cs typeface="Times New Roman" pitchFamily="18" charset="0"/>
               </a:rPr>
-              <a:t>Функциональная </a:t>
-            </a:r>
-            <a:r>
-              <a:rPr lang="ru-RU" altLang="ru-RU" dirty="0" smtClean="0">
-                <a:latin typeface="Times New Roman" pitchFamily="18" charset="0"/>
-                <a:cs typeface="Times New Roman" pitchFamily="18" charset="0"/>
-              </a:rPr>
-              <a:t>структура объекта автоматизации</a:t>
+              <a:t>Функциональная структура объекта автоматизации</a:t>
             </a:r>
           </a:p>
         </p:txBody>
@@ -5602,15 +5580,15 @@
         </p:nvSpPr>
         <p:spPr>
           <a:xfrm>
-            <a:off x="112142" y="3157268"/>
-            <a:ext cx="11904453" cy="3700732"/>
+            <a:off x="112143" y="3157268"/>
+            <a:ext cx="11809564" cy="3700732"/>
           </a:xfrm>
         </p:spPr>
         <p:txBody>
           <a:bodyPr/>
           <a:lstStyle/>
           <a:p>
-            <a:pPr indent="449263"/>
+            <a:pPr indent="449263" algn="just"/>
             <a:r>
               <a:rPr lang="ru-RU" altLang="ru-RU" sz="2200" b="0" dirty="0" smtClean="0">
                 <a:latin typeface="Times New Roman" pitchFamily="18" charset="0"/>
@@ -5620,7 +5598,7 @@
             </a:r>
           </a:p>
           <a:p>
-            <a:pPr indent="449263"/>
+            <a:pPr indent="449263" algn="just"/>
             <a:r>
               <a:rPr lang="ru-RU" altLang="ru-RU" sz="2200" b="0" dirty="0" smtClean="0">
                 <a:latin typeface="Times New Roman" pitchFamily="18" charset="0"/>
@@ -5630,7 +5608,7 @@
             </a:r>
           </a:p>
           <a:p>
-            <a:pPr indent="449263"/>
+            <a:pPr indent="449263" algn="just"/>
             <a:r>
               <a:rPr lang="ru-RU" altLang="ru-RU" sz="2200" b="0" dirty="0" smtClean="0">
                 <a:latin typeface="Times New Roman" pitchFamily="18" charset="0"/>
@@ -5640,7 +5618,7 @@
             </a:r>
           </a:p>
           <a:p>
-            <a:pPr indent="449263"/>
+            <a:pPr indent="449263" algn="just"/>
             <a:r>
               <a:rPr lang="ru-RU" altLang="ru-RU" sz="2200" b="0" dirty="0" smtClean="0">
                 <a:latin typeface="Times New Roman" pitchFamily="18" charset="0"/>
@@ -5648,10 +5626,6 @@
               </a:rPr>
               <a:t>Полностью настраиваемая система позволяет учесть все особенности ведения учета в конкретной организации и быстро внести коррективы при изменении внешних условий. Для этого в состав «1С:Предприятие» входит «Конфигуратор», с помощью которого можно менять настройки и внешний вид программы, управлять поведением форм и свойствами объектов.</a:t>
             </a:r>
-            <a:endParaRPr lang="ru-RU" altLang="ru-RU" sz="2200" b="0" dirty="0" smtClean="0">
-              <a:latin typeface="Times New Roman" pitchFamily="18" charset="0"/>
-              <a:cs typeface="Times New Roman" pitchFamily="18" charset="0"/>
-            </a:endParaRPr>
           </a:p>
         </p:txBody>
       </p:sp>

--- a/Диплом.pptx
+++ b/Диплом.pptx
@@ -5191,7 +5191,7 @@
         <p:spPr>
           <a:xfrm>
             <a:off x="86264" y="658304"/>
-            <a:ext cx="11913078" cy="6125523"/>
+            <a:ext cx="11913078" cy="6186309"/>
           </a:xfrm>
           <a:prstGeom prst="rect">
             <a:avLst/>
@@ -5230,7 +5230,28 @@
                 <a:latin typeface="Times New Roman" panose="02020603050405020304" pitchFamily="18" charset="0"/>
                 <a:cs typeface="Times New Roman" panose="02020603050405020304" pitchFamily="18" charset="0"/>
               </a:rPr>
-              <a:t>Заведующий хозяйством (далее завхоз) относится к категории материально-ответственных служащих</a:t>
+              <a:t>Заведующий </a:t>
+            </a:r>
+            <a:r>
+              <a:rPr lang="ru-RU" sz="2200">
+                <a:latin typeface="Times New Roman" panose="02020603050405020304" pitchFamily="18" charset="0"/>
+                <a:cs typeface="Times New Roman" panose="02020603050405020304" pitchFamily="18" charset="0"/>
+              </a:rPr>
+              <a:t>хозяйством </a:t>
+            </a:r>
+            <a:r>
+              <a:rPr lang="ru-RU" sz="2200" smtClean="0">
+                <a:latin typeface="Times New Roman" panose="02020603050405020304" pitchFamily="18" charset="0"/>
+                <a:cs typeface="Times New Roman" panose="02020603050405020304" pitchFamily="18" charset="0"/>
+              </a:rPr>
+              <a:t>(завхоз</a:t>
+            </a:r>
+            <a:r>
+              <a:rPr lang="ru-RU" sz="2200" dirty="0">
+                <a:latin typeface="Times New Roman" panose="02020603050405020304" pitchFamily="18" charset="0"/>
+                <a:cs typeface="Times New Roman" panose="02020603050405020304" pitchFamily="18" charset="0"/>
+              </a:rPr>
+              <a:t>) относится к категории материально-ответственных служащих</a:t>
             </a:r>
             <a:r>
               <a:rPr lang="ru-RU" sz="2200" dirty="0" smtClean="0">
@@ -5563,8 +5584,12 @@
                 <a:latin typeface="Times New Roman" pitchFamily="18" charset="0"/>
                 <a:cs typeface="Times New Roman" pitchFamily="18" charset="0"/>
               </a:rPr>
-              <a:t>1С: Предприятие</a:t>
-            </a:r>
+              <a:t>1С:Предприятие</a:t>
+            </a:r>
+            <a:endParaRPr lang="ru-RU" altLang="ru-RU" dirty="0" smtClean="0">
+              <a:latin typeface="Times New Roman" pitchFamily="18" charset="0"/>
+              <a:cs typeface="Times New Roman" pitchFamily="18" charset="0"/>
+            </a:endParaRPr>
           </a:p>
         </p:txBody>
       </p:sp>
@@ -5594,7 +5619,21 @@
                 <a:latin typeface="Times New Roman" pitchFamily="18" charset="0"/>
                 <a:cs typeface="Times New Roman" pitchFamily="18" charset="0"/>
               </a:rPr>
-              <a:t>Для разработки программного продукта была выбрана платформа 1С Предприятие.</a:t>
+              <a:t>Для разработки программного продукта была выбрана платформа </a:t>
+            </a:r>
+            <a:r>
+              <a:rPr lang="ru-RU" altLang="ru-RU" sz="2200" b="0" dirty="0" smtClean="0">
+                <a:latin typeface="Times New Roman" pitchFamily="18" charset="0"/>
+                <a:cs typeface="Times New Roman" pitchFamily="18" charset="0"/>
+              </a:rPr>
+              <a:t>1С:Предприятие</a:t>
+            </a:r>
+            <a:r>
+              <a:rPr lang="ru-RU" altLang="ru-RU" sz="2200" b="0" dirty="0" smtClean="0">
+                <a:latin typeface="Times New Roman" pitchFamily="18" charset="0"/>
+                <a:cs typeface="Times New Roman" pitchFamily="18" charset="0"/>
+              </a:rPr>
+              <a:t>.</a:t>
             </a:r>
           </a:p>
           <a:p>
